--- a/presentazione/presentazione_hypebest.pptx
+++ b/presentazione/presentazione_hypebest.pptx
@@ -3512,7 +3512,7 @@
             <a:pPr rtl="0"/>
             <a:fld id="{908252B0-110B-41C3-A919-378EF57AC5F3}" type="datetime1">
               <a:rPr lang="it-IT" smtClean="0"/>
-              <a:t>02/03/2022</a:t>
+              <a:t>03/03/2022</a:t>
             </a:fld>
             <a:endParaRPr lang="it-IT"/>
           </a:p>
@@ -3694,7 +3694,7 @@
             <a:fld id="{E91A8072-AB5C-401E-9F2D-ADB45AE59072}" type="datetime1">
               <a:rPr lang="it-IT" smtClean="0"/>
               <a:pPr/>
-              <a:t>02/03/2022</a:t>
+              <a:t>03/03/2022</a:t>
             </a:fld>
             <a:endParaRPr lang="it-IT" dirty="0"/>
           </a:p>
@@ -4362,7 +4362,7 @@
             <a:fld id="{B61BEF0D-F0BB-DE4B-95CE-6DB70DBA9567}" type="datetimeFigureOut">
               <a:rPr lang="en-US" smtClean="0"/>
               <a:pPr/>
-              <a:t>3/2/2022</a:t>
+              <a:t>3/3/2022</a:t>
             </a:fld>
             <a:endParaRPr lang="en-US" dirty="0"/>
           </a:p>
@@ -8383,13 +8383,13 @@
           <a:p>
             <a:r>
               <a:rPr lang="it-IT" sz="2400" dirty="0"/>
-              <a:t>1600€/mese * 5 componenti = 9600€/mese</a:t>
+              <a:t>1600€/mese * 5 componenti = 8000€/mese</a:t>
             </a:r>
           </a:p>
           <a:p>
             <a:r>
               <a:rPr lang="it-IT" sz="2400" dirty="0"/>
-              <a:t>3 mesi di sviluppo * 9600€ = 28800€</a:t>
+              <a:t>3 mesi di sviluppo * 8000€ = 24000€</a:t>
             </a:r>
           </a:p>
           <a:p>
@@ -11342,6 +11342,15 @@
 </file>
 
 <file path=customXml/item2.xml><?xml version="1.0" encoding="utf-8"?>
+<?mso-contentType ?>
+<FormTemplates xmlns="http://schemas.microsoft.com/sharepoint/v3/contenttype/forms">
+  <Display>DocumentLibraryForm</Display>
+  <Edit>DocumentLibraryForm</Edit>
+  <New>DocumentLibraryForm</New>
+</FormTemplates>
+</file>
+
+<file path=customXml/item3.xml><?xml version="1.0" encoding="utf-8"?>
 <ct:contentTypeSchema xmlns:ct="http://schemas.microsoft.com/office/2006/metadata/contentType" xmlns:ma="http://schemas.microsoft.com/office/2006/metadata/properties/metaAttributes" ct:_="" ma:_="" ma:contentTypeName="Document" ma:contentTypeID="0x01010079F111ED35F8CC479449609E8A0923A6" ma:contentTypeVersion="20" ma:contentTypeDescription="Create a new document." ma:contentTypeScope="" ma:versionID="1267097ee5f5874adfcc408041ae252e">
   <xsd:schema xmlns:xsd="http://www.w3.org/2001/XMLSchema" xmlns:xs="http://www.w3.org/2001/XMLSchema" xmlns:p="http://schemas.microsoft.com/office/2006/metadata/properties" xmlns:ns1="http://schemas.microsoft.com/sharepoint/v3" xmlns:ns2="71af3243-3dd4-4a8d-8c0d-dd76da1f02a5" xmlns:ns3="16c05727-aa75-4e4a-9b5f-8a80a1165891" xmlns:ns4="230e9df3-be65-4c73-a93b-d1236ebd677e" targetNamespace="http://schemas.microsoft.com/office/2006/metadata/properties" ma:root="true" ma:fieldsID="395891a93df65b14727750f2c06c306c" ns1:_="" ns2:_="" ns3:_="" ns4:_="">
     <xsd:import namespace="http://schemas.microsoft.com/sharepoint/v3"/>
@@ -11617,15 +11626,6 @@
 </ct:contentTypeSchema>
 </file>
 
-<file path=customXml/item3.xml><?xml version="1.0" encoding="utf-8"?>
-<?mso-contentType ?>
-<FormTemplates xmlns="http://schemas.microsoft.com/sharepoint/v3/contenttype/forms">
-  <Display>DocumentLibraryForm</Display>
-  <Edit>DocumentLibraryForm</Edit>
-  <New>DocumentLibraryForm</New>
-</FormTemplates>
-</file>
-
 <file path=customXml/itemProps1.xml><?xml version="1.0" encoding="utf-8"?>
 <ds:datastoreItem xmlns:ds="http://schemas.openxmlformats.org/officeDocument/2006/customXml" ds:itemID="{B5BA3906-9696-4247-AC0D-DD5C26B2A70A}">
   <ds:schemaRefs>
@@ -11639,6 +11639,14 @@
 </file>
 
 <file path=customXml/itemProps2.xml><?xml version="1.0" encoding="utf-8"?>
+<ds:datastoreItem xmlns:ds="http://schemas.openxmlformats.org/officeDocument/2006/customXml" ds:itemID="{2D446390-8521-40A2-A462-EA068123BED9}">
+  <ds:schemaRefs>
+    <ds:schemaRef ds:uri="http://schemas.microsoft.com/sharepoint/v3/contenttype/forms"/>
+  </ds:schemaRefs>
+</ds:datastoreItem>
+</file>
+
+<file path=customXml/itemProps3.xml><?xml version="1.0" encoding="utf-8"?>
 <ds:datastoreItem xmlns:ds="http://schemas.openxmlformats.org/officeDocument/2006/customXml" ds:itemID="{01E84A1C-2814-43A7-9448-348326113A45}">
   <ds:schemaRefs>
     <ds:schemaRef ds:uri="http://schemas.microsoft.com/office/2006/metadata/contentType"/>
@@ -11659,14 +11667,6 @@
 </ds:datastoreItem>
 </file>
 
-<file path=customXml/itemProps3.xml><?xml version="1.0" encoding="utf-8"?>
-<ds:datastoreItem xmlns:ds="http://schemas.openxmlformats.org/officeDocument/2006/customXml" ds:itemID="{2D446390-8521-40A2-A462-EA068123BED9}">
-  <ds:schemaRefs>
-    <ds:schemaRef ds:uri="http://schemas.microsoft.com/sharepoint/v3/contenttype/forms"/>
-  </ds:schemaRefs>
-</ds:datastoreItem>
-</file>
-
 <file path=docMetadata/LabelInfo.xml><?xml version="1.0" encoding="utf-8"?>
 <clbl:labelList xmlns:clbl="http://schemas.microsoft.com/office/2020/mipLabelMetadata">
   <clbl:label id="{f42aa342-8706-4288-bd11-ebb85995028c}" enabled="1" method="Standard" siteId="{72f988bf-86f1-41af-91ab-2d7cd011db47}" removed="0"/>

--- a/presentazione/presentazione_hypebest.pptx
+++ b/presentazione/presentazione_hypebest.pptx
@@ -1545,7 +1545,7 @@
   <dgm:whole/>
   <dgm:extLst>
     <a:ext uri="http://schemas.microsoft.com/office/drawing/2008/diagram">
-      <dsp:dataModelExt xmlns:dsp="http://schemas.microsoft.com/office/drawing/2008/diagram" relId="rId6" minVer="http://schemas.openxmlformats.org/drawingml/2006/diagram"/>
+      <dsp:dataModelExt xmlns:dsp="http://schemas.microsoft.com/office/drawing/2008/diagram" relId="rId7" minVer="http://schemas.openxmlformats.org/drawingml/2006/diagram"/>
     </a:ext>
   </dgm:extLst>
 </dgm:dataModel>
@@ -4094,6 +4094,166 @@
           <a:bodyPr/>
           <a:lstStyle/>
           <a:p>
+            <a:pPr algn="ctr">
+              <a:lnSpc>
+                <a:spcPct val="90000"/>
+              </a:lnSpc>
+              <a:spcAft>
+                <a:spcPts val="600"/>
+              </a:spcAft>
+            </a:pPr>
+            <a:r>
+              <a:rPr lang="it-IT" sz="1200" dirty="0" err="1">
+                <a:solidFill>
+                  <a:schemeClr val="bg1"/>
+                </a:solidFill>
+              </a:rPr>
+              <a:t>HypeBest</a:t>
+            </a:r>
+            <a:r>
+              <a:rPr lang="it-IT" sz="1200" dirty="0">
+                <a:solidFill>
+                  <a:schemeClr val="bg1"/>
+                </a:solidFill>
+              </a:rPr>
+              <a:t> nasce da una passione comune quale lo «streetwear».</a:t>
+            </a:r>
+          </a:p>
+          <a:p>
+            <a:pPr algn="ctr">
+              <a:lnSpc>
+                <a:spcPct val="90000"/>
+              </a:lnSpc>
+              <a:spcAft>
+                <a:spcPts val="600"/>
+              </a:spcAft>
+            </a:pPr>
+            <a:r>
+              <a:rPr lang="it-IT" sz="1200" dirty="0">
+                <a:solidFill>
+                  <a:schemeClr val="bg1"/>
+                </a:solidFill>
+              </a:rPr>
+              <a:t>Abbiamo pensato a come poter conciliare la nostra passione con il progetto scolastico.</a:t>
+            </a:r>
+          </a:p>
+          <a:p>
+            <a:pPr algn="ctr">
+              <a:lnSpc>
+                <a:spcPct val="90000"/>
+              </a:lnSpc>
+              <a:spcAft>
+                <a:spcPts val="600"/>
+              </a:spcAft>
+            </a:pPr>
+            <a:r>
+              <a:rPr lang="it-IT" sz="1200" dirty="0">
+                <a:solidFill>
+                  <a:schemeClr val="bg1"/>
+                </a:solidFill>
+              </a:rPr>
+              <a:t>Dopo alcune riunioni di gruppo siamo giunti alla conclusione per cui molte volte ci si trova senza sapere come abbinare un outfit ad un capo d’abbigliamento o senza idee per come vestire in una determinata situazione. </a:t>
+            </a:r>
+          </a:p>
+          <a:p>
+            <a:pPr algn="ctr">
+              <a:lnSpc>
+                <a:spcPct val="90000"/>
+              </a:lnSpc>
+              <a:spcAft>
+                <a:spcPts val="600"/>
+              </a:spcAft>
+            </a:pPr>
+            <a:r>
+              <a:rPr lang="it-IT" sz="1200" dirty="0">
+                <a:solidFill>
+                  <a:schemeClr val="bg1"/>
+                </a:solidFill>
+              </a:rPr>
+              <a:t>Nasce quindi </a:t>
+            </a:r>
+            <a:r>
+              <a:rPr lang="it-IT" sz="1200" dirty="0" err="1">
+                <a:solidFill>
+                  <a:schemeClr val="bg1"/>
+                </a:solidFill>
+              </a:rPr>
+              <a:t>HypeBest</a:t>
+            </a:r>
+            <a:r>
+              <a:rPr lang="it-IT" sz="1200" dirty="0">
+                <a:solidFill>
+                  <a:schemeClr val="bg1"/>
+                </a:solidFill>
+              </a:rPr>
+              <a:t>.</a:t>
+            </a:r>
+            <a:endParaRPr lang="it-IT" sz="1200" dirty="0"/>
+          </a:p>
+          <a:p>
+            <a:pPr marL="0" marR="0" lvl="0" indent="0" algn="l" defTabSz="914400" rtl="0" eaLnBrk="1" fontAlgn="auto" latinLnBrk="0" hangingPunct="1">
+              <a:lnSpc>
+                <a:spcPct val="100000"/>
+              </a:lnSpc>
+              <a:spcBef>
+                <a:spcPts val="0"/>
+              </a:spcBef>
+              <a:spcAft>
+                <a:spcPts val="0"/>
+              </a:spcAft>
+              <a:buClrTx/>
+              <a:buSzTx/>
+              <a:buFontTx/>
+              <a:buNone/>
+              <a:tabLst/>
+              <a:defRPr/>
+            </a:pPr>
+            <a:endParaRPr lang="it-IT" sz="1200" dirty="0"/>
+          </a:p>
+          <a:p>
+            <a:pPr marL="0" marR="0" lvl="0" indent="0" algn="l" defTabSz="914400" rtl="0" eaLnBrk="1" fontAlgn="auto" latinLnBrk="0" hangingPunct="1">
+              <a:lnSpc>
+                <a:spcPct val="100000"/>
+              </a:lnSpc>
+              <a:spcBef>
+                <a:spcPts val="0"/>
+              </a:spcBef>
+              <a:spcAft>
+                <a:spcPts val="0"/>
+              </a:spcAft>
+              <a:buClrTx/>
+              <a:buSzTx/>
+              <a:buFontTx/>
+              <a:buNone/>
+              <a:tabLst/>
+              <a:defRPr/>
+            </a:pPr>
+            <a:endParaRPr lang="it-IT" sz="1200" dirty="0"/>
+          </a:p>
+          <a:p>
+            <a:pPr marL="0" marR="0" lvl="0" indent="0" algn="l" defTabSz="914400" rtl="0" eaLnBrk="1" fontAlgn="auto" latinLnBrk="0" hangingPunct="1">
+              <a:lnSpc>
+                <a:spcPct val="100000"/>
+              </a:lnSpc>
+              <a:spcBef>
+                <a:spcPts val="0"/>
+              </a:spcBef>
+              <a:spcAft>
+                <a:spcPts val="0"/>
+              </a:spcAft>
+              <a:buClrTx/>
+              <a:buSzTx/>
+              <a:buFontTx/>
+              <a:buNone/>
+              <a:tabLst/>
+              <a:defRPr/>
+            </a:pPr>
+            <a:r>
+              <a:rPr lang="it-IT" sz="1200" dirty="0"/>
+              <a:t>Lo scopo è quello di permettere ad una persona che cerca ispirazione per un outfit partendo da un capo d’abbigliamento di trovarne diversi, caricati precedentemente da altri utenti. </a:t>
+            </a:r>
+          </a:p>
+          <a:p>
             <a:endParaRPr lang="it-IT" dirty="0"/>
           </a:p>
         </p:txBody>
@@ -4126,6 +4286,1225 @@
     <p:extLst>
       <p:ext uri="{BB962C8B-B14F-4D97-AF65-F5344CB8AC3E}">
         <p14:creationId xmlns:p14="http://schemas.microsoft.com/office/powerpoint/2010/main" val="2106891227"/>
+      </p:ext>
+    </p:extLst>
+  </p:cSld>
+  <p:clrMapOvr>
+    <a:masterClrMapping/>
+  </p:clrMapOvr>
+</p:notes>
+</file>
+
+<file path=ppt/notesSlides/notesSlide3.xml><?xml version="1.0" encoding="utf-8"?>
+<p:notes xmlns:a="http://schemas.openxmlformats.org/drawingml/2006/main" xmlns:r="http://schemas.openxmlformats.org/officeDocument/2006/relationships" xmlns:p="http://schemas.openxmlformats.org/presentationml/2006/main">
+  <p:cSld>
+    <p:spTree>
+      <p:nvGrpSpPr>
+        <p:cNvPr id="1" name=""/>
+        <p:cNvGrpSpPr/>
+        <p:nvPr/>
+      </p:nvGrpSpPr>
+      <p:grpSpPr>
+        <a:xfrm>
+          <a:off x="0" y="0"/>
+          <a:ext cx="0" cy="0"/>
+          <a:chOff x="0" y="0"/>
+          <a:chExt cx="0" cy="0"/>
+        </a:xfrm>
+      </p:grpSpPr>
+      <p:sp>
+        <p:nvSpPr>
+          <p:cNvPr id="2" name="Segnaposto immagine diapositiva 1"/>
+          <p:cNvSpPr>
+            <a:spLocks noGrp="1" noRot="1" noChangeAspect="1"/>
+          </p:cNvSpPr>
+          <p:nvPr>
+            <p:ph type="sldImg"/>
+          </p:nvPr>
+        </p:nvSpPr>
+        <p:spPr/>
+      </p:sp>
+      <p:sp>
+        <p:nvSpPr>
+          <p:cNvPr id="3" name="Segnaposto note 2"/>
+          <p:cNvSpPr>
+            <a:spLocks noGrp="1"/>
+          </p:cNvSpPr>
+          <p:nvPr>
+            <p:ph type="body" idx="1"/>
+          </p:nvPr>
+        </p:nvSpPr>
+        <p:spPr/>
+        <p:txBody>
+          <a:bodyPr/>
+          <a:lstStyle/>
+          <a:p>
+            <a:pPr marL="0" marR="0" lvl="0" indent="0" algn="l" defTabSz="914400" rtl="0" eaLnBrk="1" fontAlgn="auto" latinLnBrk="0" hangingPunct="1">
+              <a:lnSpc>
+                <a:spcPct val="100000"/>
+              </a:lnSpc>
+              <a:spcBef>
+                <a:spcPts val="0"/>
+              </a:spcBef>
+              <a:spcAft>
+                <a:spcPts val="0"/>
+              </a:spcAft>
+              <a:buClrTx/>
+              <a:buSzTx/>
+              <a:buFontTx/>
+              <a:buNone/>
+              <a:tabLst/>
+              <a:defRPr/>
+            </a:pPr>
+            <a:r>
+              <a:rPr lang="it-IT" dirty="0"/>
+              <a:t>Avere un’interfaccia user-</a:t>
+            </a:r>
+            <a:r>
+              <a:rPr lang="it-IT" dirty="0" err="1"/>
+              <a:t>friendly</a:t>
+            </a:r>
+            <a:r>
+              <a:rPr lang="it-IT" dirty="0"/>
+              <a:t>, semplice e intuitiva che permetta quindi anche all’utente inesperto di muoversi all’interno dell’applicazione.</a:t>
+            </a:r>
+          </a:p>
+          <a:p>
+            <a:pPr marL="0" marR="0" lvl="0" indent="0" algn="l" defTabSz="914400" rtl="0" eaLnBrk="1" fontAlgn="auto" latinLnBrk="0" hangingPunct="1">
+              <a:lnSpc>
+                <a:spcPct val="100000"/>
+              </a:lnSpc>
+              <a:spcBef>
+                <a:spcPts val="0"/>
+              </a:spcBef>
+              <a:spcAft>
+                <a:spcPts val="0"/>
+              </a:spcAft>
+              <a:buClrTx/>
+              <a:buSzTx/>
+              <a:buFontTx/>
+              <a:buNone/>
+              <a:tabLst/>
+              <a:defRPr/>
+            </a:pPr>
+            <a:endParaRPr lang="it-IT" dirty="0"/>
+          </a:p>
+          <a:p>
+            <a:pPr marL="0" marR="0" lvl="0" indent="0" algn="l" defTabSz="914400" rtl="0" eaLnBrk="1" fontAlgn="auto" latinLnBrk="0" hangingPunct="1">
+              <a:lnSpc>
+                <a:spcPct val="100000"/>
+              </a:lnSpc>
+              <a:spcBef>
+                <a:spcPts val="0"/>
+              </a:spcBef>
+              <a:spcAft>
+                <a:spcPts val="0"/>
+              </a:spcAft>
+              <a:buClrTx/>
+              <a:buSzTx/>
+              <a:buFontTx/>
+              <a:buNone/>
+              <a:tabLst/>
+              <a:defRPr/>
+            </a:pPr>
+            <a:r>
+              <a:rPr lang="it-IT" dirty="0"/>
+              <a:t>Essere accessibile da ogni piattaforma (smartphone, web…).</a:t>
+            </a:r>
+            <a:endParaRPr lang="en-US" dirty="0"/>
+          </a:p>
+          <a:p>
+            <a:pPr marL="0" marR="0" lvl="0" indent="0" algn="l" defTabSz="914400" rtl="0" eaLnBrk="1" fontAlgn="auto" latinLnBrk="0" hangingPunct="1">
+              <a:lnSpc>
+                <a:spcPct val="100000"/>
+              </a:lnSpc>
+              <a:spcBef>
+                <a:spcPts val="0"/>
+              </a:spcBef>
+              <a:spcAft>
+                <a:spcPts val="0"/>
+              </a:spcAft>
+              <a:buClrTx/>
+              <a:buSzTx/>
+              <a:buFontTx/>
+              <a:buNone/>
+              <a:tabLst/>
+              <a:defRPr/>
+            </a:pPr>
+            <a:endParaRPr lang="en-US" dirty="0"/>
+          </a:p>
+          <a:p>
+            <a:endParaRPr lang="it-IT" dirty="0"/>
+          </a:p>
+        </p:txBody>
+      </p:sp>
+      <p:sp>
+        <p:nvSpPr>
+          <p:cNvPr id="4" name="Segnaposto numero diapositiva 3"/>
+          <p:cNvSpPr>
+            <a:spLocks noGrp="1"/>
+          </p:cNvSpPr>
+          <p:nvPr>
+            <p:ph type="sldNum" sz="quarter" idx="5"/>
+          </p:nvPr>
+        </p:nvSpPr>
+        <p:spPr/>
+        <p:txBody>
+          <a:bodyPr/>
+          <a:lstStyle/>
+          <a:p>
+            <a:pPr rtl="0"/>
+            <a:fld id="{D4B9A9E5-4F7F-4A7D-9DE1-899232329269}" type="slidenum">
+              <a:rPr lang="it-IT" noProof="0" smtClean="0"/>
+              <a:t>4</a:t>
+            </a:fld>
+            <a:endParaRPr lang="it-IT" noProof="0"/>
+          </a:p>
+        </p:txBody>
+      </p:sp>
+    </p:spTree>
+    <p:extLst>
+      <p:ext uri="{BB962C8B-B14F-4D97-AF65-F5344CB8AC3E}">
+        <p14:creationId xmlns:p14="http://schemas.microsoft.com/office/powerpoint/2010/main" val="3352943084"/>
+      </p:ext>
+    </p:extLst>
+  </p:cSld>
+  <p:clrMapOvr>
+    <a:masterClrMapping/>
+  </p:clrMapOvr>
+</p:notes>
+</file>
+
+<file path=ppt/notesSlides/notesSlide4.xml><?xml version="1.0" encoding="utf-8"?>
+<p:notes xmlns:a="http://schemas.openxmlformats.org/drawingml/2006/main" xmlns:r="http://schemas.openxmlformats.org/officeDocument/2006/relationships" xmlns:p="http://schemas.openxmlformats.org/presentationml/2006/main">
+  <p:cSld>
+    <p:spTree>
+      <p:nvGrpSpPr>
+        <p:cNvPr id="1" name=""/>
+        <p:cNvGrpSpPr/>
+        <p:nvPr/>
+      </p:nvGrpSpPr>
+      <p:grpSpPr>
+        <a:xfrm>
+          <a:off x="0" y="0"/>
+          <a:ext cx="0" cy="0"/>
+          <a:chOff x="0" y="0"/>
+          <a:chExt cx="0" cy="0"/>
+        </a:xfrm>
+      </p:grpSpPr>
+      <p:sp>
+        <p:nvSpPr>
+          <p:cNvPr id="2" name="Segnaposto immagine diapositiva 1"/>
+          <p:cNvSpPr>
+            <a:spLocks noGrp="1" noRot="1" noChangeAspect="1"/>
+          </p:cNvSpPr>
+          <p:nvPr>
+            <p:ph type="sldImg"/>
+          </p:nvPr>
+        </p:nvSpPr>
+        <p:spPr/>
+      </p:sp>
+      <p:sp>
+        <p:nvSpPr>
+          <p:cNvPr id="3" name="Segnaposto note 2"/>
+          <p:cNvSpPr>
+            <a:spLocks noGrp="1"/>
+          </p:cNvSpPr>
+          <p:nvPr>
+            <p:ph type="body" idx="1"/>
+          </p:nvPr>
+        </p:nvSpPr>
+        <p:spPr/>
+        <p:txBody>
+          <a:bodyPr/>
+          <a:lstStyle/>
+          <a:p>
+            <a:pPr indent="-228600">
+              <a:lnSpc>
+                <a:spcPct val="90000"/>
+              </a:lnSpc>
+              <a:spcAft>
+                <a:spcPts val="600"/>
+              </a:spcAft>
+              <a:buFont typeface="Arial" panose="020B0604020202020204" pitchFamily="34" charset="0"/>
+              <a:buChar char="•"/>
+            </a:pPr>
+            <a:r>
+              <a:rPr lang="it-IT" sz="1200" dirty="0">
+                <a:solidFill>
+                  <a:schemeClr val="bg1"/>
+                </a:solidFill>
+              </a:rPr>
+              <a:t>La pagina login permetterà all’utente di accedere al proprio account (se ne possiede uno), altrimenti gli darà la possibilità di registrarsi sulla piattaforma. </a:t>
+            </a:r>
+          </a:p>
+          <a:p>
+            <a:pPr indent="-228600">
+              <a:lnSpc>
+                <a:spcPct val="90000"/>
+              </a:lnSpc>
+              <a:spcAft>
+                <a:spcPts val="600"/>
+              </a:spcAft>
+              <a:buFont typeface="Arial" panose="020B0604020202020204" pitchFamily="34" charset="0"/>
+              <a:buChar char="•"/>
+            </a:pPr>
+            <a:r>
+              <a:rPr lang="it-IT" sz="1200" dirty="0">
+                <a:solidFill>
+                  <a:schemeClr val="bg1"/>
+                </a:solidFill>
+              </a:rPr>
+              <a:t>Per effettuare il login sarà necessario compilare i campi username/email e password.</a:t>
+            </a:r>
+          </a:p>
+          <a:p>
+            <a:pPr indent="-228600">
+              <a:lnSpc>
+                <a:spcPct val="90000"/>
+              </a:lnSpc>
+              <a:spcAft>
+                <a:spcPts val="600"/>
+              </a:spcAft>
+              <a:buFont typeface="Arial" panose="020B0604020202020204" pitchFamily="34" charset="0"/>
+              <a:buChar char="•"/>
+            </a:pPr>
+            <a:r>
+              <a:rPr lang="it-IT" sz="1200" dirty="0">
+                <a:solidFill>
+                  <a:schemeClr val="bg1"/>
+                </a:solidFill>
+              </a:rPr>
+              <a:t>Per effettuare la registrazione sarà invece necessario inserire: username, password, nome, cognome, email, data di nascita, sesso e gli interessi personali. </a:t>
+            </a:r>
+          </a:p>
+          <a:p>
+            <a:endParaRPr lang="it-IT" dirty="0"/>
+          </a:p>
+          <a:p>
+            <a:endParaRPr lang="it-IT" dirty="0"/>
+          </a:p>
+          <a:p>
+            <a:endParaRPr lang="it-IT" dirty="0"/>
+          </a:p>
+        </p:txBody>
+      </p:sp>
+      <p:sp>
+        <p:nvSpPr>
+          <p:cNvPr id="4" name="Segnaposto numero diapositiva 3"/>
+          <p:cNvSpPr>
+            <a:spLocks noGrp="1"/>
+          </p:cNvSpPr>
+          <p:nvPr>
+            <p:ph type="sldNum" sz="quarter" idx="5"/>
+          </p:nvPr>
+        </p:nvSpPr>
+        <p:spPr/>
+        <p:txBody>
+          <a:bodyPr/>
+          <a:lstStyle/>
+          <a:p>
+            <a:pPr rtl="0"/>
+            <a:fld id="{D4B9A9E5-4F7F-4A7D-9DE1-899232329269}" type="slidenum">
+              <a:rPr lang="it-IT" noProof="0" smtClean="0"/>
+              <a:t>5</a:t>
+            </a:fld>
+            <a:endParaRPr lang="it-IT" noProof="0"/>
+          </a:p>
+        </p:txBody>
+      </p:sp>
+    </p:spTree>
+    <p:extLst>
+      <p:ext uri="{BB962C8B-B14F-4D97-AF65-F5344CB8AC3E}">
+        <p14:creationId xmlns:p14="http://schemas.microsoft.com/office/powerpoint/2010/main" val="3852541509"/>
+      </p:ext>
+    </p:extLst>
+  </p:cSld>
+  <p:clrMapOvr>
+    <a:masterClrMapping/>
+  </p:clrMapOvr>
+</p:notes>
+</file>
+
+<file path=ppt/notesSlides/notesSlide5.xml><?xml version="1.0" encoding="utf-8"?>
+<p:notes xmlns:a="http://schemas.openxmlformats.org/drawingml/2006/main" xmlns:r="http://schemas.openxmlformats.org/officeDocument/2006/relationships" xmlns:p="http://schemas.openxmlformats.org/presentationml/2006/main">
+  <p:cSld>
+    <p:spTree>
+      <p:nvGrpSpPr>
+        <p:cNvPr id="1" name=""/>
+        <p:cNvGrpSpPr/>
+        <p:nvPr/>
+      </p:nvGrpSpPr>
+      <p:grpSpPr>
+        <a:xfrm>
+          <a:off x="0" y="0"/>
+          <a:ext cx="0" cy="0"/>
+          <a:chOff x="0" y="0"/>
+          <a:chExt cx="0" cy="0"/>
+        </a:xfrm>
+      </p:grpSpPr>
+      <p:sp>
+        <p:nvSpPr>
+          <p:cNvPr id="2" name="Segnaposto immagine diapositiva 1"/>
+          <p:cNvSpPr>
+            <a:spLocks noGrp="1" noRot="1" noChangeAspect="1"/>
+          </p:cNvSpPr>
+          <p:nvPr>
+            <p:ph type="sldImg"/>
+          </p:nvPr>
+        </p:nvSpPr>
+        <p:spPr/>
+      </p:sp>
+      <p:sp>
+        <p:nvSpPr>
+          <p:cNvPr id="3" name="Segnaposto note 2"/>
+          <p:cNvSpPr>
+            <a:spLocks noGrp="1"/>
+          </p:cNvSpPr>
+          <p:nvPr>
+            <p:ph type="body" idx="1"/>
+          </p:nvPr>
+        </p:nvSpPr>
+        <p:spPr/>
+        <p:txBody>
+          <a:bodyPr/>
+          <a:lstStyle/>
+          <a:p>
+            <a:pPr indent="-228600">
+              <a:lnSpc>
+                <a:spcPct val="90000"/>
+              </a:lnSpc>
+              <a:spcAft>
+                <a:spcPts val="600"/>
+              </a:spcAft>
+              <a:buFont typeface="Arial" panose="020B0604020202020204" pitchFamily="34" charset="0"/>
+              <a:buChar char="•"/>
+            </a:pPr>
+            <a:r>
+              <a:rPr lang="it-IT" sz="1200" dirty="0">
+                <a:solidFill>
+                  <a:schemeClr val="bg1"/>
+                </a:solidFill>
+              </a:rPr>
+              <a:t>La Home è la pagina principale dell’applicazione, viene visualizzata all’avvio di quest’ultima.</a:t>
+            </a:r>
+          </a:p>
+          <a:p>
+            <a:pPr indent="-228600">
+              <a:lnSpc>
+                <a:spcPct val="90000"/>
+              </a:lnSpc>
+              <a:spcAft>
+                <a:spcPts val="600"/>
+              </a:spcAft>
+              <a:buFont typeface="Arial" panose="020B0604020202020204" pitchFamily="34" charset="0"/>
+              <a:buChar char="•"/>
+            </a:pPr>
+            <a:endParaRPr lang="it-IT" sz="1200" dirty="0">
+              <a:solidFill>
+                <a:schemeClr val="bg1"/>
+              </a:solidFill>
+            </a:endParaRPr>
+          </a:p>
+          <a:p>
+            <a:pPr indent="-228600">
+              <a:lnSpc>
+                <a:spcPct val="90000"/>
+              </a:lnSpc>
+              <a:spcAft>
+                <a:spcPts val="600"/>
+              </a:spcAft>
+              <a:buFont typeface="Arial" panose="020B0604020202020204" pitchFamily="34" charset="0"/>
+              <a:buChar char="•"/>
+            </a:pPr>
+            <a:r>
+              <a:rPr lang="it-IT" sz="1200" dirty="0">
+                <a:solidFill>
+                  <a:schemeClr val="bg1"/>
+                </a:solidFill>
+              </a:rPr>
+              <a:t>Qui vengono visualizzati i post degli utenti seguiti.</a:t>
+            </a:r>
+          </a:p>
+          <a:p>
+            <a:pPr indent="-228600">
+              <a:lnSpc>
+                <a:spcPct val="90000"/>
+              </a:lnSpc>
+              <a:spcAft>
+                <a:spcPts val="600"/>
+              </a:spcAft>
+              <a:buFont typeface="Arial" panose="020B0604020202020204" pitchFamily="34" charset="0"/>
+              <a:buChar char="•"/>
+            </a:pPr>
+            <a:endParaRPr lang="it-IT" sz="1200" dirty="0">
+              <a:solidFill>
+                <a:schemeClr val="bg1"/>
+              </a:solidFill>
+            </a:endParaRPr>
+          </a:p>
+          <a:p>
+            <a:pPr indent="-228600">
+              <a:lnSpc>
+                <a:spcPct val="90000"/>
+              </a:lnSpc>
+              <a:spcAft>
+                <a:spcPts val="600"/>
+              </a:spcAft>
+              <a:buFont typeface="Arial" panose="020B0604020202020204" pitchFamily="34" charset="0"/>
+              <a:buChar char="•"/>
+            </a:pPr>
+            <a:r>
+              <a:rPr lang="it-IT" sz="1200" dirty="0">
+                <a:solidFill>
+                  <a:schemeClr val="bg1"/>
+                </a:solidFill>
+              </a:rPr>
+              <a:t>La pagina permetterà l’interazione con i post, dando la possibilità di salvarlo, inserire commenti, mettere like e visualizzare i capi d’abbigliamento tramite i tag presenti. </a:t>
+            </a:r>
+          </a:p>
+          <a:p>
+            <a:pPr indent="-228600">
+              <a:lnSpc>
+                <a:spcPct val="90000"/>
+              </a:lnSpc>
+              <a:spcAft>
+                <a:spcPts val="600"/>
+              </a:spcAft>
+              <a:buFont typeface="Arial" panose="020B0604020202020204" pitchFamily="34" charset="0"/>
+              <a:buChar char="•"/>
+            </a:pPr>
+            <a:endParaRPr lang="it-IT" sz="1200" dirty="0">
+              <a:solidFill>
+                <a:schemeClr val="bg1"/>
+              </a:solidFill>
+            </a:endParaRPr>
+          </a:p>
+          <a:p>
+            <a:pPr indent="-228600">
+              <a:lnSpc>
+                <a:spcPct val="90000"/>
+              </a:lnSpc>
+              <a:spcAft>
+                <a:spcPts val="600"/>
+              </a:spcAft>
+              <a:buFont typeface="Arial" panose="020B0604020202020204" pitchFamily="34" charset="0"/>
+              <a:buChar char="•"/>
+            </a:pPr>
+            <a:r>
+              <a:rPr lang="it-IT" sz="1200" dirty="0">
+                <a:solidFill>
+                  <a:schemeClr val="bg1"/>
+                </a:solidFill>
+              </a:rPr>
+              <a:t>Dalla Home è raggiungibile ognuna delle funzioni nominate in precedenza.</a:t>
+            </a:r>
+          </a:p>
+          <a:p>
+            <a:endParaRPr lang="it-IT" dirty="0"/>
+          </a:p>
+        </p:txBody>
+      </p:sp>
+      <p:sp>
+        <p:nvSpPr>
+          <p:cNvPr id="4" name="Segnaposto numero diapositiva 3"/>
+          <p:cNvSpPr>
+            <a:spLocks noGrp="1"/>
+          </p:cNvSpPr>
+          <p:nvPr>
+            <p:ph type="sldNum" sz="quarter" idx="5"/>
+          </p:nvPr>
+        </p:nvSpPr>
+        <p:spPr/>
+        <p:txBody>
+          <a:bodyPr/>
+          <a:lstStyle/>
+          <a:p>
+            <a:pPr rtl="0"/>
+            <a:fld id="{D4B9A9E5-4F7F-4A7D-9DE1-899232329269}" type="slidenum">
+              <a:rPr lang="it-IT" noProof="0" smtClean="0"/>
+              <a:t>6</a:t>
+            </a:fld>
+            <a:endParaRPr lang="it-IT" noProof="0"/>
+          </a:p>
+        </p:txBody>
+      </p:sp>
+    </p:spTree>
+    <p:extLst>
+      <p:ext uri="{BB962C8B-B14F-4D97-AF65-F5344CB8AC3E}">
+        <p14:creationId xmlns:p14="http://schemas.microsoft.com/office/powerpoint/2010/main" val="3086650376"/>
+      </p:ext>
+    </p:extLst>
+  </p:cSld>
+  <p:clrMapOvr>
+    <a:masterClrMapping/>
+  </p:clrMapOvr>
+</p:notes>
+</file>
+
+<file path=ppt/notesSlides/notesSlide6.xml><?xml version="1.0" encoding="utf-8"?>
+<p:notes xmlns:a="http://schemas.openxmlformats.org/drawingml/2006/main" xmlns:r="http://schemas.openxmlformats.org/officeDocument/2006/relationships" xmlns:p="http://schemas.openxmlformats.org/presentationml/2006/main">
+  <p:cSld>
+    <p:spTree>
+      <p:nvGrpSpPr>
+        <p:cNvPr id="1" name=""/>
+        <p:cNvGrpSpPr/>
+        <p:nvPr/>
+      </p:nvGrpSpPr>
+      <p:grpSpPr>
+        <a:xfrm>
+          <a:off x="0" y="0"/>
+          <a:ext cx="0" cy="0"/>
+          <a:chOff x="0" y="0"/>
+          <a:chExt cx="0" cy="0"/>
+        </a:xfrm>
+      </p:grpSpPr>
+      <p:sp>
+        <p:nvSpPr>
+          <p:cNvPr id="2" name="Segnaposto immagine diapositiva 1"/>
+          <p:cNvSpPr>
+            <a:spLocks noGrp="1" noRot="1" noChangeAspect="1"/>
+          </p:cNvSpPr>
+          <p:nvPr>
+            <p:ph type="sldImg"/>
+          </p:nvPr>
+        </p:nvSpPr>
+        <p:spPr/>
+      </p:sp>
+      <p:sp>
+        <p:nvSpPr>
+          <p:cNvPr id="3" name="Segnaposto note 2"/>
+          <p:cNvSpPr>
+            <a:spLocks noGrp="1"/>
+          </p:cNvSpPr>
+          <p:nvPr>
+            <p:ph type="body" idx="1"/>
+          </p:nvPr>
+        </p:nvSpPr>
+        <p:spPr/>
+        <p:txBody>
+          <a:bodyPr/>
+          <a:lstStyle/>
+          <a:p>
+            <a:pPr indent="-228600">
+              <a:lnSpc>
+                <a:spcPct val="90000"/>
+              </a:lnSpc>
+              <a:spcAft>
+                <a:spcPts val="600"/>
+              </a:spcAft>
+              <a:buFont typeface="Arial" panose="020B0604020202020204" pitchFamily="34" charset="0"/>
+              <a:buChar char="•"/>
+            </a:pPr>
+            <a:r>
+              <a:rPr lang="it-IT" sz="1200" dirty="0">
+                <a:solidFill>
+                  <a:schemeClr val="bg1"/>
+                </a:solidFill>
+              </a:rPr>
+              <a:t>La pagina di ricerca permetterà tramite una barra di ricerca di trovare determinati post che corrispondono ai criteri richiesti. </a:t>
+            </a:r>
+          </a:p>
+          <a:p>
+            <a:pPr indent="-228600">
+              <a:lnSpc>
+                <a:spcPct val="90000"/>
+              </a:lnSpc>
+              <a:spcAft>
+                <a:spcPts val="600"/>
+              </a:spcAft>
+              <a:buFont typeface="Arial" panose="020B0604020202020204" pitchFamily="34" charset="0"/>
+              <a:buChar char="•"/>
+            </a:pPr>
+            <a:r>
+              <a:rPr lang="it-IT" sz="1200" dirty="0">
+                <a:solidFill>
+                  <a:schemeClr val="bg1"/>
+                </a:solidFill>
+              </a:rPr>
+              <a:t>Saranno presenti dei filtri permetteranno di mostrare solo I post che rispondono ad essi.</a:t>
+            </a:r>
+          </a:p>
+          <a:p>
+            <a:endParaRPr lang="it-IT" dirty="0"/>
+          </a:p>
+        </p:txBody>
+      </p:sp>
+      <p:sp>
+        <p:nvSpPr>
+          <p:cNvPr id="4" name="Segnaposto numero diapositiva 3"/>
+          <p:cNvSpPr>
+            <a:spLocks noGrp="1"/>
+          </p:cNvSpPr>
+          <p:nvPr>
+            <p:ph type="sldNum" sz="quarter" idx="5"/>
+          </p:nvPr>
+        </p:nvSpPr>
+        <p:spPr/>
+        <p:txBody>
+          <a:bodyPr/>
+          <a:lstStyle/>
+          <a:p>
+            <a:pPr rtl="0"/>
+            <a:fld id="{D4B9A9E5-4F7F-4A7D-9DE1-899232329269}" type="slidenum">
+              <a:rPr lang="it-IT" noProof="0" smtClean="0"/>
+              <a:t>7</a:t>
+            </a:fld>
+            <a:endParaRPr lang="it-IT" noProof="0"/>
+          </a:p>
+        </p:txBody>
+      </p:sp>
+    </p:spTree>
+    <p:extLst>
+      <p:ext uri="{BB962C8B-B14F-4D97-AF65-F5344CB8AC3E}">
+        <p14:creationId xmlns:p14="http://schemas.microsoft.com/office/powerpoint/2010/main" val="1866320033"/>
+      </p:ext>
+    </p:extLst>
+  </p:cSld>
+  <p:clrMapOvr>
+    <a:masterClrMapping/>
+  </p:clrMapOvr>
+</p:notes>
+</file>
+
+<file path=ppt/notesSlides/notesSlide7.xml><?xml version="1.0" encoding="utf-8"?>
+<p:notes xmlns:a="http://schemas.openxmlformats.org/drawingml/2006/main" xmlns:r="http://schemas.openxmlformats.org/officeDocument/2006/relationships" xmlns:p="http://schemas.openxmlformats.org/presentationml/2006/main">
+  <p:cSld>
+    <p:spTree>
+      <p:nvGrpSpPr>
+        <p:cNvPr id="1" name=""/>
+        <p:cNvGrpSpPr/>
+        <p:nvPr/>
+      </p:nvGrpSpPr>
+      <p:grpSpPr>
+        <a:xfrm>
+          <a:off x="0" y="0"/>
+          <a:ext cx="0" cy="0"/>
+          <a:chOff x="0" y="0"/>
+          <a:chExt cx="0" cy="0"/>
+        </a:xfrm>
+      </p:grpSpPr>
+      <p:sp>
+        <p:nvSpPr>
+          <p:cNvPr id="2" name="Segnaposto immagine diapositiva 1"/>
+          <p:cNvSpPr>
+            <a:spLocks noGrp="1" noRot="1" noChangeAspect="1"/>
+          </p:cNvSpPr>
+          <p:nvPr>
+            <p:ph type="sldImg"/>
+          </p:nvPr>
+        </p:nvSpPr>
+        <p:spPr/>
+      </p:sp>
+      <p:sp>
+        <p:nvSpPr>
+          <p:cNvPr id="3" name="Segnaposto note 2"/>
+          <p:cNvSpPr>
+            <a:spLocks noGrp="1"/>
+          </p:cNvSpPr>
+          <p:nvPr>
+            <p:ph type="body" idx="1"/>
+          </p:nvPr>
+        </p:nvSpPr>
+        <p:spPr/>
+        <p:txBody>
+          <a:bodyPr/>
+          <a:lstStyle/>
+          <a:p>
+            <a:pPr marL="285750" indent="-285750">
+              <a:buFont typeface="Arial" panose="020B0604020202020204" pitchFamily="34" charset="0"/>
+              <a:buChar char="•"/>
+            </a:pPr>
+            <a:r>
+              <a:rPr lang="it-IT" dirty="0">
+                <a:solidFill>
+                  <a:schemeClr val="bg1"/>
+                </a:solidFill>
+              </a:rPr>
+              <a:t>La pagina del profilo permetterà di visualizzare tutte le </a:t>
+            </a:r>
+          </a:p>
+          <a:p>
+            <a:r>
+              <a:rPr lang="it-IT" dirty="0">
+                <a:solidFill>
+                  <a:schemeClr val="bg1"/>
+                </a:solidFill>
+              </a:rPr>
+              <a:t>     caratteristiche di un profilo utente.</a:t>
+            </a:r>
+          </a:p>
+          <a:p>
+            <a:pPr marL="285750" indent="-285750">
+              <a:buFont typeface="Arial" panose="020B0604020202020204" pitchFamily="34" charset="0"/>
+              <a:buChar char="•"/>
+            </a:pPr>
+            <a:endParaRPr lang="it-IT" dirty="0">
+              <a:solidFill>
+                <a:schemeClr val="bg1"/>
+              </a:solidFill>
+            </a:endParaRPr>
+          </a:p>
+          <a:p>
+            <a:pPr marL="285750" indent="-285750">
+              <a:buFont typeface="Arial" panose="020B0604020202020204" pitchFamily="34" charset="0"/>
+              <a:buChar char="•"/>
+            </a:pPr>
+            <a:r>
+              <a:rPr lang="it-IT" dirty="0">
+                <a:solidFill>
+                  <a:schemeClr val="bg1"/>
+                </a:solidFill>
+              </a:rPr>
+              <a:t>Nella parte bassa della schermata verranno visualizzati in successione tutti i post dell’utente che si sta osservando.</a:t>
+            </a:r>
+          </a:p>
+          <a:p>
+            <a:pPr marL="285750" indent="-285750">
+              <a:buFont typeface="Arial" panose="020B0604020202020204" pitchFamily="34" charset="0"/>
+              <a:buChar char="•"/>
+            </a:pPr>
+            <a:endParaRPr lang="it-IT" dirty="0">
+              <a:solidFill>
+                <a:schemeClr val="bg1"/>
+              </a:solidFill>
+            </a:endParaRPr>
+          </a:p>
+          <a:p>
+            <a:pPr marL="285750" indent="-285750">
+              <a:buFont typeface="Arial" panose="020B0604020202020204" pitchFamily="34" charset="0"/>
+              <a:buChar char="•"/>
+            </a:pPr>
+            <a:r>
+              <a:rPr lang="it-IT" dirty="0">
+                <a:solidFill>
+                  <a:schemeClr val="bg1"/>
+                </a:solidFill>
+              </a:rPr>
+              <a:t>La pagina profilo presenterà un bottone che permetta di modificarlo. </a:t>
+            </a:r>
+          </a:p>
+          <a:p>
+            <a:pPr marL="285750" indent="-285750">
+              <a:buFont typeface="Arial" panose="020B0604020202020204" pitchFamily="34" charset="0"/>
+              <a:buChar char="•"/>
+            </a:pPr>
+            <a:endParaRPr lang="it-IT" dirty="0">
+              <a:solidFill>
+                <a:schemeClr val="bg1"/>
+              </a:solidFill>
+            </a:endParaRPr>
+          </a:p>
+          <a:p>
+            <a:pPr marL="285750" indent="-285750">
+              <a:buFont typeface="Arial" panose="020B0604020202020204" pitchFamily="34" charset="0"/>
+              <a:buChar char="•"/>
+            </a:pPr>
+            <a:r>
+              <a:rPr lang="it-IT" dirty="0">
+                <a:solidFill>
+                  <a:schemeClr val="bg1"/>
+                </a:solidFill>
+              </a:rPr>
+              <a:t>Da questa schermata sarà possibile inoltre eliminare uno o più post precedentemente inseriti. </a:t>
+            </a:r>
+          </a:p>
+          <a:p>
+            <a:endParaRPr lang="it-IT" dirty="0"/>
+          </a:p>
+        </p:txBody>
+      </p:sp>
+      <p:sp>
+        <p:nvSpPr>
+          <p:cNvPr id="4" name="Segnaposto numero diapositiva 3"/>
+          <p:cNvSpPr>
+            <a:spLocks noGrp="1"/>
+          </p:cNvSpPr>
+          <p:nvPr>
+            <p:ph type="sldNum" sz="quarter" idx="5"/>
+          </p:nvPr>
+        </p:nvSpPr>
+        <p:spPr/>
+        <p:txBody>
+          <a:bodyPr/>
+          <a:lstStyle/>
+          <a:p>
+            <a:pPr rtl="0"/>
+            <a:fld id="{D4B9A9E5-4F7F-4A7D-9DE1-899232329269}" type="slidenum">
+              <a:rPr lang="it-IT" noProof="0" smtClean="0"/>
+              <a:t>8</a:t>
+            </a:fld>
+            <a:endParaRPr lang="it-IT" noProof="0"/>
+          </a:p>
+        </p:txBody>
+      </p:sp>
+    </p:spTree>
+    <p:extLst>
+      <p:ext uri="{BB962C8B-B14F-4D97-AF65-F5344CB8AC3E}">
+        <p14:creationId xmlns:p14="http://schemas.microsoft.com/office/powerpoint/2010/main" val="3027013094"/>
+      </p:ext>
+    </p:extLst>
+  </p:cSld>
+  <p:clrMapOvr>
+    <a:masterClrMapping/>
+  </p:clrMapOvr>
+</p:notes>
+</file>
+
+<file path=ppt/notesSlides/notesSlide8.xml><?xml version="1.0" encoding="utf-8"?>
+<p:notes xmlns:a="http://schemas.openxmlformats.org/drawingml/2006/main" xmlns:r="http://schemas.openxmlformats.org/officeDocument/2006/relationships" xmlns:p="http://schemas.openxmlformats.org/presentationml/2006/main">
+  <p:cSld>
+    <p:spTree>
+      <p:nvGrpSpPr>
+        <p:cNvPr id="1" name=""/>
+        <p:cNvGrpSpPr/>
+        <p:nvPr/>
+      </p:nvGrpSpPr>
+      <p:grpSpPr>
+        <a:xfrm>
+          <a:off x="0" y="0"/>
+          <a:ext cx="0" cy="0"/>
+          <a:chOff x="0" y="0"/>
+          <a:chExt cx="0" cy="0"/>
+        </a:xfrm>
+      </p:grpSpPr>
+      <p:sp>
+        <p:nvSpPr>
+          <p:cNvPr id="2" name="Segnaposto immagine diapositiva 1"/>
+          <p:cNvSpPr>
+            <a:spLocks noGrp="1" noRot="1" noChangeAspect="1"/>
+          </p:cNvSpPr>
+          <p:nvPr>
+            <p:ph type="sldImg"/>
+          </p:nvPr>
+        </p:nvSpPr>
+        <p:spPr/>
+      </p:sp>
+      <p:sp>
+        <p:nvSpPr>
+          <p:cNvPr id="3" name="Segnaposto note 2"/>
+          <p:cNvSpPr>
+            <a:spLocks noGrp="1"/>
+          </p:cNvSpPr>
+          <p:nvPr>
+            <p:ph type="body" idx="1"/>
+          </p:nvPr>
+        </p:nvSpPr>
+        <p:spPr/>
+        <p:txBody>
+          <a:bodyPr/>
+          <a:lstStyle/>
+          <a:p>
+            <a:r>
+              <a:rPr lang="it-IT" dirty="0">
+                <a:solidFill>
+                  <a:schemeClr val="bg1"/>
+                </a:solidFill>
+              </a:rPr>
+              <a:t>La pagina Aggiungi permetterà di aggiungere un post alla volta.</a:t>
+            </a:r>
+          </a:p>
+          <a:p>
+            <a:endParaRPr lang="it-IT" dirty="0">
+              <a:solidFill>
+                <a:schemeClr val="bg1"/>
+              </a:solidFill>
+            </a:endParaRPr>
+          </a:p>
+          <a:p>
+            <a:r>
+              <a:rPr lang="it-IT" dirty="0">
+                <a:solidFill>
+                  <a:schemeClr val="bg1"/>
+                </a:solidFill>
+              </a:rPr>
+              <a:t>Per essere aggiunto, un post deve soddisfare i requisiti richiesti </a:t>
+            </a:r>
+          </a:p>
+          <a:p>
+            <a:r>
+              <a:rPr lang="it-IT" dirty="0">
+                <a:solidFill>
+                  <a:schemeClr val="bg1"/>
+                </a:solidFill>
+              </a:rPr>
+              <a:t>nella diapositiva successiva.</a:t>
+            </a:r>
+          </a:p>
+          <a:p>
+            <a:endParaRPr lang="it-IT" u="sng" dirty="0">
+              <a:solidFill>
+                <a:schemeClr val="bg1"/>
+              </a:solidFill>
+            </a:endParaRPr>
+          </a:p>
+          <a:p>
+            <a:r>
+              <a:rPr lang="it-IT" dirty="0">
+                <a:solidFill>
+                  <a:schemeClr val="bg1"/>
+                </a:solidFill>
+              </a:rPr>
+              <a:t>Aggiungendo un post l’utente avrà la possibilità di inserire i tag </a:t>
+            </a:r>
+          </a:p>
+          <a:p>
+            <a:r>
+              <a:rPr lang="it-IT" dirty="0">
+                <a:solidFill>
+                  <a:schemeClr val="bg1"/>
+                </a:solidFill>
+              </a:rPr>
+              <a:t>riguardanti l’abbigliamento indossato.</a:t>
+            </a:r>
+          </a:p>
+          <a:p>
+            <a:endParaRPr lang="it-IT" dirty="0"/>
+          </a:p>
+        </p:txBody>
+      </p:sp>
+      <p:sp>
+        <p:nvSpPr>
+          <p:cNvPr id="4" name="Segnaposto numero diapositiva 3"/>
+          <p:cNvSpPr>
+            <a:spLocks noGrp="1"/>
+          </p:cNvSpPr>
+          <p:nvPr>
+            <p:ph type="sldNum" sz="quarter" idx="5"/>
+          </p:nvPr>
+        </p:nvSpPr>
+        <p:spPr/>
+        <p:txBody>
+          <a:bodyPr/>
+          <a:lstStyle/>
+          <a:p>
+            <a:pPr rtl="0"/>
+            <a:fld id="{D4B9A9E5-4F7F-4A7D-9DE1-899232329269}" type="slidenum">
+              <a:rPr lang="it-IT" noProof="0" smtClean="0"/>
+              <a:t>9</a:t>
+            </a:fld>
+            <a:endParaRPr lang="it-IT" noProof="0"/>
+          </a:p>
+        </p:txBody>
+      </p:sp>
+    </p:spTree>
+    <p:extLst>
+      <p:ext uri="{BB962C8B-B14F-4D97-AF65-F5344CB8AC3E}">
+        <p14:creationId xmlns:p14="http://schemas.microsoft.com/office/powerpoint/2010/main" val="612144650"/>
+      </p:ext>
+    </p:extLst>
+  </p:cSld>
+  <p:clrMapOvr>
+    <a:masterClrMapping/>
+  </p:clrMapOvr>
+</p:notes>
+</file>
+
+<file path=ppt/notesSlides/notesSlide9.xml><?xml version="1.0" encoding="utf-8"?>
+<p:notes xmlns:a="http://schemas.openxmlformats.org/drawingml/2006/main" xmlns:r="http://schemas.openxmlformats.org/officeDocument/2006/relationships" xmlns:p="http://schemas.openxmlformats.org/presentationml/2006/main">
+  <p:cSld>
+    <p:spTree>
+      <p:nvGrpSpPr>
+        <p:cNvPr id="1" name=""/>
+        <p:cNvGrpSpPr/>
+        <p:nvPr/>
+      </p:nvGrpSpPr>
+      <p:grpSpPr>
+        <a:xfrm>
+          <a:off x="0" y="0"/>
+          <a:ext cx="0" cy="0"/>
+          <a:chOff x="0" y="0"/>
+          <a:chExt cx="0" cy="0"/>
+        </a:xfrm>
+      </p:grpSpPr>
+      <p:sp>
+        <p:nvSpPr>
+          <p:cNvPr id="2" name="Segnaposto immagine diapositiva 1"/>
+          <p:cNvSpPr>
+            <a:spLocks noGrp="1" noRot="1" noChangeAspect="1"/>
+          </p:cNvSpPr>
+          <p:nvPr>
+            <p:ph type="sldImg"/>
+          </p:nvPr>
+        </p:nvSpPr>
+        <p:spPr/>
+      </p:sp>
+      <p:sp>
+        <p:nvSpPr>
+          <p:cNvPr id="3" name="Segnaposto note 2"/>
+          <p:cNvSpPr>
+            <a:spLocks noGrp="1"/>
+          </p:cNvSpPr>
+          <p:nvPr>
+            <p:ph type="body" idx="1"/>
+          </p:nvPr>
+        </p:nvSpPr>
+        <p:spPr/>
+        <p:txBody>
+          <a:bodyPr/>
+          <a:lstStyle/>
+          <a:p>
+            <a:pPr>
+              <a:lnSpc>
+                <a:spcPct val="90000"/>
+              </a:lnSpc>
+              <a:spcAft>
+                <a:spcPts val="600"/>
+              </a:spcAft>
+            </a:pPr>
+            <a:r>
+              <a:rPr lang="it-IT" sz="1200" dirty="0">
+                <a:solidFill>
+                  <a:schemeClr val="bg1"/>
+                </a:solidFill>
+              </a:rPr>
+              <a:t>Per essere inserito, un post deve possedere una foto, l’utente deve essere loggato e devono essere </a:t>
+            </a:r>
+            <a:r>
+              <a:rPr lang="it-IT" sz="1200" noProof="1">
+                <a:solidFill>
+                  <a:schemeClr val="bg1"/>
+                </a:solidFill>
+              </a:rPr>
+              <a:t>inseriti</a:t>
+            </a:r>
+            <a:r>
+              <a:rPr lang="it-IT" sz="1200" dirty="0">
+                <a:solidFill>
+                  <a:schemeClr val="bg1"/>
+                </a:solidFill>
+              </a:rPr>
+              <a:t> i vari criteri utili per la ricerca.</a:t>
+            </a:r>
+          </a:p>
+          <a:p>
+            <a:pPr indent="-228600">
+              <a:lnSpc>
+                <a:spcPct val="90000"/>
+              </a:lnSpc>
+              <a:spcAft>
+                <a:spcPts val="600"/>
+              </a:spcAft>
+              <a:buFont typeface="Arial" panose="020B0604020202020204" pitchFamily="34" charset="0"/>
+              <a:buChar char="•"/>
+            </a:pPr>
+            <a:endParaRPr lang="it-IT" sz="1200" dirty="0">
+              <a:solidFill>
+                <a:schemeClr val="bg1"/>
+              </a:solidFill>
+            </a:endParaRPr>
+          </a:p>
+          <a:p>
+            <a:pPr>
+              <a:lnSpc>
+                <a:spcPct val="90000"/>
+              </a:lnSpc>
+              <a:spcAft>
+                <a:spcPts val="600"/>
+              </a:spcAft>
+            </a:pPr>
+            <a:r>
+              <a:rPr lang="it-IT" sz="1200" dirty="0">
+                <a:solidFill>
+                  <a:schemeClr val="bg1"/>
+                </a:solidFill>
+              </a:rPr>
+              <a:t>In un post opzionalmente si possono aggiungere:</a:t>
+            </a:r>
+          </a:p>
+          <a:p>
+            <a:pPr marL="342900" indent="-285750">
+              <a:lnSpc>
+                <a:spcPct val="90000"/>
+              </a:lnSpc>
+              <a:spcAft>
+                <a:spcPts val="600"/>
+              </a:spcAft>
+              <a:buFont typeface="Arial" panose="020B0604020202020204" pitchFamily="34" charset="0"/>
+              <a:buChar char="•"/>
+            </a:pPr>
+            <a:r>
+              <a:rPr lang="it-IT" sz="1200" dirty="0">
+                <a:solidFill>
+                  <a:schemeClr val="bg1"/>
+                </a:solidFill>
+              </a:rPr>
+              <a:t>Descrizione, che permette di scrivere un breve testo.</a:t>
+            </a:r>
+          </a:p>
+          <a:p>
+            <a:pPr marL="342900" indent="-285750">
+              <a:lnSpc>
+                <a:spcPct val="90000"/>
+              </a:lnSpc>
+              <a:spcAft>
+                <a:spcPts val="600"/>
+              </a:spcAft>
+              <a:buFont typeface="Arial" panose="020B0604020202020204" pitchFamily="34" charset="0"/>
+              <a:buChar char="•"/>
+            </a:pPr>
+            <a:r>
+              <a:rPr lang="it-IT" sz="1200" dirty="0">
+                <a:solidFill>
+                  <a:schemeClr val="bg1"/>
+                </a:solidFill>
+              </a:rPr>
+              <a:t>Tag, che riportano l’URL del sito dove è possibile acquistare il capo d’abbigliamento a cui fa riferimento.</a:t>
+            </a:r>
+          </a:p>
+          <a:p>
+            <a:pPr marL="342900" indent="-285750">
+              <a:lnSpc>
+                <a:spcPct val="90000"/>
+              </a:lnSpc>
+              <a:spcAft>
+                <a:spcPts val="600"/>
+              </a:spcAft>
+              <a:buFont typeface="Arial" panose="020B0604020202020204" pitchFamily="34" charset="0"/>
+              <a:buChar char="•"/>
+            </a:pPr>
+            <a:r>
+              <a:rPr lang="it-IT" sz="1200" dirty="0">
+                <a:solidFill>
+                  <a:schemeClr val="bg1"/>
+                </a:solidFill>
+              </a:rPr>
+              <a:t>Un collegamento ad un altro profilo (generalmente inserito se nel post sono presenti altri utenti dell’applicazione).</a:t>
+            </a:r>
+          </a:p>
+          <a:p>
+            <a:endParaRPr lang="it-IT" dirty="0"/>
+          </a:p>
+        </p:txBody>
+      </p:sp>
+      <p:sp>
+        <p:nvSpPr>
+          <p:cNvPr id="4" name="Segnaposto numero diapositiva 3"/>
+          <p:cNvSpPr>
+            <a:spLocks noGrp="1"/>
+          </p:cNvSpPr>
+          <p:nvPr>
+            <p:ph type="sldNum" sz="quarter" idx="5"/>
+          </p:nvPr>
+        </p:nvSpPr>
+        <p:spPr/>
+        <p:txBody>
+          <a:bodyPr/>
+          <a:lstStyle/>
+          <a:p>
+            <a:pPr rtl="0"/>
+            <a:fld id="{D4B9A9E5-4F7F-4A7D-9DE1-899232329269}" type="slidenum">
+              <a:rPr lang="it-IT" noProof="0" smtClean="0"/>
+              <a:t>10</a:t>
+            </a:fld>
+            <a:endParaRPr lang="it-IT" noProof="0"/>
+          </a:p>
+        </p:txBody>
+      </p:sp>
+    </p:spTree>
+    <p:extLst>
+      <p:ext uri="{BB962C8B-B14F-4D97-AF65-F5344CB8AC3E}">
+        <p14:creationId xmlns:p14="http://schemas.microsoft.com/office/powerpoint/2010/main" val="429664561"/>
       </p:ext>
     </p:extLst>
   </p:cSld>
@@ -8152,7 +9531,7 @@
           <p:nvPr/>
         </p:nvPicPr>
         <p:blipFill>
-          <a:blip r:embed="rId2"/>
+          <a:blip r:embed="rId3"/>
           <a:stretch>
             <a:fillRect/>
           </a:stretch>
@@ -8182,7 +9561,7 @@
           <p:nvPr/>
         </p:nvPicPr>
         <p:blipFill>
-          <a:blip r:embed="rId3">
+          <a:blip r:embed="rId4">
             <a:extLst>
               <a:ext uri="{28A0092B-C50C-407E-A947-70E740481C1C}">
                 <a14:useLocalDpi xmlns:a14="http://schemas.microsoft.com/office/drawing/2010/main" val="0"/>
@@ -8563,8 +9942,8 @@
         </p:nvSpPr>
         <p:spPr>
           <a:xfrm>
-            <a:off x="2512065" y="3007757"/>
-            <a:ext cx="7228829" cy="1231106"/>
+            <a:off x="725904" y="3177091"/>
+            <a:ext cx="10801151" cy="1354217"/>
           </a:xfrm>
           <a:prstGeom prst="rect">
             <a:avLst/>
@@ -8579,12 +9958,12 @@
           <a:p>
             <a:pPr algn="ctr"/>
             <a:r>
-              <a:rPr lang="it-IT" sz="2800" dirty="0">
+              <a:rPr lang="it-IT" sz="3200" dirty="0">
                 <a:solidFill>
                   <a:srgbClr val="404040"/>
                 </a:solidFill>
               </a:rPr>
-              <a:t>Applicazione atta a ispirare gli utenti nella creazione del proprio outfit. </a:t>
+              <a:t>Applicazione che permette agli utenti di trovare ispirazione nella creazione del proprio outfit. </a:t>
             </a:r>
           </a:p>
           <a:p>
@@ -9002,7 +10381,7 @@
           <p:nvPr/>
         </p:nvPicPr>
         <p:blipFill>
-          <a:blip r:embed="rId2">
+          <a:blip r:embed="rId3">
             <a:extLst>
               <a:ext uri="{28A0092B-C50C-407E-A947-70E740481C1C}">
                 <a14:useLocalDpi xmlns:a14="http://schemas.microsoft.com/office/drawing/2010/main" val="0"/>
@@ -9038,7 +10417,7 @@
           <p:nvPr/>
         </p:nvPicPr>
         <p:blipFill rotWithShape="1">
-          <a:blip r:embed="rId3">
+          <a:blip r:embed="rId4">
             <a:extLst>
               <a:ext uri="{28A0092B-C50C-407E-A947-70E740481C1C}">
                 <a14:useLocalDpi xmlns:a14="http://schemas.microsoft.com/office/drawing/2010/main" val="0"/>
@@ -9083,7 +10462,7 @@
           <p:nvPr/>
         </p:nvPicPr>
         <p:blipFill>
-          <a:blip r:embed="rId4">
+          <a:blip r:embed="rId5">
             <a:extLst>
               <a:ext uri="{28A0092B-C50C-407E-A947-70E740481C1C}">
                 <a14:useLocalDpi xmlns:a14="http://schemas.microsoft.com/office/drawing/2010/main" val="0"/>
@@ -9268,7 +10647,7 @@
         </p:xfrm>
         <a:graphic>
           <a:graphicData uri="http://schemas.openxmlformats.org/drawingml/2006/diagram">
-            <dgm:relIds xmlns:dgm="http://schemas.openxmlformats.org/drawingml/2006/diagram" xmlns:r="http://schemas.openxmlformats.org/officeDocument/2006/relationships" r:dm="rId2" r:lo="rId3" r:qs="rId4" r:cs="rId5"/>
+            <dgm:relIds xmlns:dgm="http://schemas.openxmlformats.org/drawingml/2006/diagram" xmlns:r="http://schemas.openxmlformats.org/officeDocument/2006/relationships" r:dm="rId3" r:lo="rId4" r:qs="rId5" r:cs="rId6"/>
           </a:graphicData>
         </a:graphic>
       </p:graphicFrame>
@@ -9287,7 +10666,7 @@
           <p:nvPr/>
         </p:nvPicPr>
         <p:blipFill>
-          <a:blip r:embed="rId7">
+          <a:blip r:embed="rId8">
             <a:extLst>
               <a:ext uri="{28A0092B-C50C-407E-A947-70E740481C1C}">
                 <a14:useLocalDpi xmlns:a14="http://schemas.microsoft.com/office/drawing/2010/main" val="0"/>
@@ -9390,7 +10769,7 @@
           <p:nvPr/>
         </p:nvPicPr>
         <p:blipFill>
-          <a:blip r:embed="rId2"/>
+          <a:blip r:embed="rId3"/>
           <a:stretch>
             <a:fillRect/>
           </a:stretch>
@@ -9484,13 +10863,13 @@
             <a:avLst/>
           </a:prstGeom>
           <a:blipFill>
-            <a:blip r:embed="rId3">
+            <a:blip r:embed="rId4">
               <a:extLst>
                 <a:ext uri="{28A0092B-C50C-407E-A947-70E740481C1C}">
                   <a14:useLocalDpi xmlns:a14="http://schemas.microsoft.com/office/drawing/2010/main" val="0"/>
                 </a:ext>
                 <a:ext uri="{96DAC541-7B7A-43D3-8B79-37D633B846F1}">
-                  <asvg:svgBlip xmlns:asvg="http://schemas.microsoft.com/office/drawing/2016/SVG/main" r:embed="rId4"/>
+                  <asvg:svgBlip xmlns:asvg="http://schemas.microsoft.com/office/drawing/2016/SVG/main" r:embed="rId5"/>
                 </a:ext>
               </a:extLst>
             </a:blip>
@@ -9542,7 +10921,7 @@
           <p:nvPr/>
         </p:nvPicPr>
         <p:blipFill>
-          <a:blip r:embed="rId5">
+          <a:blip r:embed="rId6">
             <a:extLst>
               <a:ext uri="{28A0092B-C50C-407E-A947-70E740481C1C}">
                 <a14:useLocalDpi xmlns:a14="http://schemas.microsoft.com/office/drawing/2010/main" val="0"/>
@@ -9740,13 +11119,13 @@
             <a:avLst/>
           </a:prstGeom>
           <a:blipFill>
-            <a:blip r:embed="rId2">
+            <a:blip r:embed="rId3">
               <a:extLst>
                 <a:ext uri="{28A0092B-C50C-407E-A947-70E740481C1C}">
                   <a14:useLocalDpi xmlns:a14="http://schemas.microsoft.com/office/drawing/2010/main" val="0"/>
                 </a:ext>
                 <a:ext uri="{96DAC541-7B7A-43D3-8B79-37D633B846F1}">
-                  <asvg:svgBlip xmlns:asvg="http://schemas.microsoft.com/office/drawing/2016/SVG/main" r:embed="rId3"/>
+                  <asvg:svgBlip xmlns:asvg="http://schemas.microsoft.com/office/drawing/2016/SVG/main" r:embed="rId4"/>
                 </a:ext>
               </a:extLst>
             </a:blip>
@@ -9798,7 +11177,7 @@
           <p:nvPr/>
         </p:nvPicPr>
         <p:blipFill rotWithShape="1">
-          <a:blip r:embed="rId4"/>
+          <a:blip r:embed="rId5"/>
           <a:srcRect t="2755" b="1893"/>
           <a:stretch/>
         </p:blipFill>
@@ -9827,7 +11206,7 @@
           <p:nvPr/>
         </p:nvPicPr>
         <p:blipFill>
-          <a:blip r:embed="rId5">
+          <a:blip r:embed="rId6">
             <a:extLst>
               <a:ext uri="{28A0092B-C50C-407E-A947-70E740481C1C}">
                 <a14:useLocalDpi xmlns:a14="http://schemas.microsoft.com/office/drawing/2010/main" val="0"/>
@@ -9970,7 +11349,7 @@
           <p:nvPr/>
         </p:nvPicPr>
         <p:blipFill>
-          <a:blip r:embed="rId2"/>
+          <a:blip r:embed="rId3"/>
           <a:stretch>
             <a:fillRect/>
           </a:stretch>
@@ -10000,7 +11379,7 @@
           <p:nvPr/>
         </p:nvPicPr>
         <p:blipFill rotWithShape="1">
-          <a:blip r:embed="rId3">
+          <a:blip r:embed="rId4">
             <a:extLst>
               <a:ext uri="{28A0092B-C50C-407E-A947-70E740481C1C}">
                 <a14:useLocalDpi xmlns:a14="http://schemas.microsoft.com/office/drawing/2010/main" val="0"/>
@@ -10089,7 +11468,7 @@
           <p:nvPr/>
         </p:nvPicPr>
         <p:blipFill>
-          <a:blip r:embed="rId4">
+          <a:blip r:embed="rId5">
             <a:extLst>
               <a:ext uri="{28A0092B-C50C-407E-A947-70E740481C1C}">
                 <a14:useLocalDpi xmlns:a14="http://schemas.microsoft.com/office/drawing/2010/main" val="0"/>
@@ -10322,7 +11701,7 @@
           <p:nvPr/>
         </p:nvPicPr>
         <p:blipFill rotWithShape="1">
-          <a:blip r:embed="rId2"/>
+          <a:blip r:embed="rId3"/>
           <a:srcRect l="16214" t="10308" r="11546" b="11212"/>
           <a:stretch/>
         </p:blipFill>
@@ -10357,13 +11736,13 @@
             <a:avLst/>
           </a:prstGeom>
           <a:blipFill>
-            <a:blip r:embed="rId3">
+            <a:blip r:embed="rId4">
               <a:extLst>
                 <a:ext uri="{28A0092B-C50C-407E-A947-70E740481C1C}">
                   <a14:useLocalDpi xmlns:a14="http://schemas.microsoft.com/office/drawing/2010/main" val="0"/>
                 </a:ext>
                 <a:ext uri="{96DAC541-7B7A-43D3-8B79-37D633B846F1}">
-                  <asvg:svgBlip xmlns:asvg="http://schemas.microsoft.com/office/drawing/2016/SVG/main" r:embed="rId4"/>
+                  <asvg:svgBlip xmlns:asvg="http://schemas.microsoft.com/office/drawing/2016/SVG/main" r:embed="rId5"/>
                 </a:ext>
               </a:extLst>
             </a:blip>
@@ -10415,7 +11794,7 @@
           <p:nvPr/>
         </p:nvPicPr>
         <p:blipFill>
-          <a:blip r:embed="rId5">
+          <a:blip r:embed="rId6">
             <a:extLst>
               <a:ext uri="{28A0092B-C50C-407E-A947-70E740481C1C}">
                 <a14:useLocalDpi xmlns:a14="http://schemas.microsoft.com/office/drawing/2010/main" val="0"/>
@@ -11342,15 +12721,6 @@
 </file>
 
 <file path=customXml/item2.xml><?xml version="1.0" encoding="utf-8"?>
-<?mso-contentType ?>
-<FormTemplates xmlns="http://schemas.microsoft.com/sharepoint/v3/contenttype/forms">
-  <Display>DocumentLibraryForm</Display>
-  <Edit>DocumentLibraryForm</Edit>
-  <New>DocumentLibraryForm</New>
-</FormTemplates>
-</file>
-
-<file path=customXml/item3.xml><?xml version="1.0" encoding="utf-8"?>
 <ct:contentTypeSchema xmlns:ct="http://schemas.microsoft.com/office/2006/metadata/contentType" xmlns:ma="http://schemas.microsoft.com/office/2006/metadata/properties/metaAttributes" ct:_="" ma:_="" ma:contentTypeName="Document" ma:contentTypeID="0x01010079F111ED35F8CC479449609E8A0923A6" ma:contentTypeVersion="20" ma:contentTypeDescription="Create a new document." ma:contentTypeScope="" ma:versionID="1267097ee5f5874adfcc408041ae252e">
   <xsd:schema xmlns:xsd="http://www.w3.org/2001/XMLSchema" xmlns:xs="http://www.w3.org/2001/XMLSchema" xmlns:p="http://schemas.microsoft.com/office/2006/metadata/properties" xmlns:ns1="http://schemas.microsoft.com/sharepoint/v3" xmlns:ns2="71af3243-3dd4-4a8d-8c0d-dd76da1f02a5" xmlns:ns3="16c05727-aa75-4e4a-9b5f-8a80a1165891" xmlns:ns4="230e9df3-be65-4c73-a93b-d1236ebd677e" targetNamespace="http://schemas.microsoft.com/office/2006/metadata/properties" ma:root="true" ma:fieldsID="395891a93df65b14727750f2c06c306c" ns1:_="" ns2:_="" ns3:_="" ns4:_="">
     <xsd:import namespace="http://schemas.microsoft.com/sharepoint/v3"/>
@@ -11626,6 +12996,15 @@
 </ct:contentTypeSchema>
 </file>
 
+<file path=customXml/item3.xml><?xml version="1.0" encoding="utf-8"?>
+<?mso-contentType ?>
+<FormTemplates xmlns="http://schemas.microsoft.com/sharepoint/v3/contenttype/forms">
+  <Display>DocumentLibraryForm</Display>
+  <Edit>DocumentLibraryForm</Edit>
+  <New>DocumentLibraryForm</New>
+</FormTemplates>
+</file>
+
 <file path=customXml/itemProps1.xml><?xml version="1.0" encoding="utf-8"?>
 <ds:datastoreItem xmlns:ds="http://schemas.openxmlformats.org/officeDocument/2006/customXml" ds:itemID="{B5BA3906-9696-4247-AC0D-DD5C26B2A70A}">
   <ds:schemaRefs>
@@ -11639,14 +13018,6 @@
 </file>
 
 <file path=customXml/itemProps2.xml><?xml version="1.0" encoding="utf-8"?>
-<ds:datastoreItem xmlns:ds="http://schemas.openxmlformats.org/officeDocument/2006/customXml" ds:itemID="{2D446390-8521-40A2-A462-EA068123BED9}">
-  <ds:schemaRefs>
-    <ds:schemaRef ds:uri="http://schemas.microsoft.com/sharepoint/v3/contenttype/forms"/>
-  </ds:schemaRefs>
-</ds:datastoreItem>
-</file>
-
-<file path=customXml/itemProps3.xml><?xml version="1.0" encoding="utf-8"?>
 <ds:datastoreItem xmlns:ds="http://schemas.openxmlformats.org/officeDocument/2006/customXml" ds:itemID="{01E84A1C-2814-43A7-9448-348326113A45}">
   <ds:schemaRefs>
     <ds:schemaRef ds:uri="http://schemas.microsoft.com/office/2006/metadata/contentType"/>
@@ -11667,6 +13038,14 @@
 </ds:datastoreItem>
 </file>
 
+<file path=customXml/itemProps3.xml><?xml version="1.0" encoding="utf-8"?>
+<ds:datastoreItem xmlns:ds="http://schemas.openxmlformats.org/officeDocument/2006/customXml" ds:itemID="{2D446390-8521-40A2-A462-EA068123BED9}">
+  <ds:schemaRefs>
+    <ds:schemaRef ds:uri="http://schemas.microsoft.com/sharepoint/v3/contenttype/forms"/>
+  </ds:schemaRefs>
+</ds:datastoreItem>
+</file>
+
 <file path=docMetadata/LabelInfo.xml><?xml version="1.0" encoding="utf-8"?>
 <clbl:labelList xmlns:clbl="http://schemas.microsoft.com/office/2020/mipLabelMetadata">
   <clbl:label id="{f42aa342-8706-4288-bd11-ebb85995028c}" enabled="1" method="Standard" siteId="{72f988bf-86f1-41af-91ab-2d7cd011db47}" removed="0"/>

--- a/presentazione/presentazione_hypebest.pptx
+++ b/presentazione/presentazione_hypebest.pptx
@@ -3512,7 +3512,7 @@
             <a:pPr rtl="0"/>
             <a:fld id="{908252B0-110B-41C3-A919-378EF57AC5F3}" type="datetime1">
               <a:rPr lang="it-IT" smtClean="0"/>
-              <a:t>03/03/2022</a:t>
+              <a:t>19/05/2022</a:t>
             </a:fld>
             <a:endParaRPr lang="it-IT"/>
           </a:p>
@@ -3694,7 +3694,7 @@
             <a:fld id="{E91A8072-AB5C-401E-9F2D-ADB45AE59072}" type="datetime1">
               <a:rPr lang="it-IT" smtClean="0"/>
               <a:pPr/>
-              <a:t>03/03/2022</a:t>
+              <a:t>19/05/2022</a:t>
             </a:fld>
             <a:endParaRPr lang="it-IT" dirty="0"/>
           </a:p>
@@ -5741,7 +5741,7 @@
             <a:fld id="{B61BEF0D-F0BB-DE4B-95CE-6DB70DBA9567}" type="datetimeFigureOut">
               <a:rPr lang="en-US" smtClean="0"/>
               <a:pPr/>
-              <a:t>3/3/2022</a:t>
+              <a:t>5/19/2022</a:t>
             </a:fld>
             <a:endParaRPr lang="en-US" dirty="0"/>
           </a:p>
@@ -11164,35 +11164,6 @@
       </p:sp>
       <p:pic>
         <p:nvPicPr>
-          <p:cNvPr id="4" name="Immagine 3">
-            <a:extLst>
-              <a:ext uri="{FF2B5EF4-FFF2-40B4-BE49-F238E27FC236}">
-                <a16:creationId xmlns:a16="http://schemas.microsoft.com/office/drawing/2014/main" id="{2F037232-95C1-4399-8095-8415F1892398}"/>
-              </a:ext>
-            </a:extLst>
-          </p:cNvPr>
-          <p:cNvPicPr>
-            <a:picLocks noChangeAspect="1"/>
-          </p:cNvPicPr>
-          <p:nvPr/>
-        </p:nvPicPr>
-        <p:blipFill rotWithShape="1">
-          <a:blip r:embed="rId5"/>
-          <a:srcRect t="2755" b="1893"/>
-          <a:stretch/>
-        </p:blipFill>
-        <p:spPr>
-          <a:xfrm>
-            <a:off x="5037932" y="262394"/>
-            <a:ext cx="4889949" cy="5714440"/>
-          </a:xfrm>
-          <a:prstGeom prst="rect">
-            <a:avLst/>
-          </a:prstGeom>
-        </p:spPr>
-      </p:pic>
-      <p:pic>
-        <p:nvPicPr>
           <p:cNvPr id="13" name="Immagine 12">
             <a:extLst>
               <a:ext uri="{FF2B5EF4-FFF2-40B4-BE49-F238E27FC236}">
@@ -11206,7 +11177,7 @@
           <p:nvPr/>
         </p:nvPicPr>
         <p:blipFill>
-          <a:blip r:embed="rId6">
+          <a:blip r:embed="rId5">
             <a:extLst>
               <a:ext uri="{28A0092B-C50C-407E-A947-70E740481C1C}">
                 <a14:useLocalDpi xmlns:a14="http://schemas.microsoft.com/office/drawing/2010/main" val="0"/>
@@ -11268,6 +11239,35 @@
           </a:fontRef>
         </p:style>
       </p:cxnSp>
+      <p:pic>
+        <p:nvPicPr>
+          <p:cNvPr id="8" name="Immagine 7">
+            <a:extLst>
+              <a:ext uri="{FF2B5EF4-FFF2-40B4-BE49-F238E27FC236}">
+                <a16:creationId xmlns:a16="http://schemas.microsoft.com/office/drawing/2014/main" id="{85535C59-F81D-4FDC-BD11-C2F3D1E3D255}"/>
+              </a:ext>
+            </a:extLst>
+          </p:cNvPr>
+          <p:cNvPicPr>
+            <a:picLocks noChangeAspect="1"/>
+          </p:cNvPicPr>
+          <p:nvPr/>
+        </p:nvPicPr>
+        <p:blipFill rotWithShape="1">
+          <a:blip r:embed="rId6"/>
+          <a:srcRect l="3341" t="2587" r="692" b="2227"/>
+          <a:stretch/>
+        </p:blipFill>
+        <p:spPr>
+          <a:xfrm>
+            <a:off x="5955509" y="93662"/>
+            <a:ext cx="3008086" cy="6167438"/>
+          </a:xfrm>
+          <a:prstGeom prst="rect">
+            <a:avLst/>
+          </a:prstGeom>
+        </p:spPr>
+      </p:pic>
     </p:spTree>
     <p:extLst>
       <p:ext uri="{BB962C8B-B14F-4D97-AF65-F5344CB8AC3E}">
@@ -12702,22 +12702,12 @@
 </file>
 
 <file path=customXml/item1.xml><?xml version="1.0" encoding="utf-8"?>
-<p:properties xmlns:p="http://schemas.microsoft.com/office/2006/metadata/properties" xmlns:xsi="http://www.w3.org/2001/XMLSchema-instance" xmlns:pc="http://schemas.microsoft.com/office/infopath/2007/PartnerControls">
-  <documentManagement>
-    <_ip_UnifiedCompliancePolicyUIAction xmlns="http://schemas.microsoft.com/sharepoint/v3" xsi:nil="true"/>
-    <Image xmlns="71af3243-3dd4-4a8d-8c0d-dd76da1f02a5">
-      <Url xsi:nil="true"/>
-      <Description xsi:nil="true"/>
-    </Image>
-    <Status xmlns="71af3243-3dd4-4a8d-8c0d-dd76da1f02a5">Not started</Status>
-    <_ip_UnifiedCompliancePolicyProperties xmlns="http://schemas.microsoft.com/sharepoint/v3" xsi:nil="true"/>
-    <ImageTagsTaxHTField xmlns="71af3243-3dd4-4a8d-8c0d-dd76da1f02a5">
-      <Terms xmlns="http://schemas.microsoft.com/office/infopath/2007/PartnerControls"/>
-    </ImageTagsTaxHTField>
-    <TaxCatchAll xmlns="230e9df3-be65-4c73-a93b-d1236ebd677e"/>
-    <MediaServiceKeyPoints xmlns="71af3243-3dd4-4a8d-8c0d-dd76da1f02a5" xsi:nil="true"/>
-  </documentManagement>
-</p:properties>
+<?mso-contentType ?>
+<FormTemplates xmlns="http://schemas.microsoft.com/sharepoint/v3/contenttype/forms">
+  <Display>DocumentLibraryForm</Display>
+  <Edit>DocumentLibraryForm</Edit>
+  <New>DocumentLibraryForm</New>
+</FormTemplates>
 </file>
 
 <file path=customXml/item2.xml><?xml version="1.0" encoding="utf-8"?>
@@ -12997,22 +12987,28 @@
 </file>
 
 <file path=customXml/item3.xml><?xml version="1.0" encoding="utf-8"?>
-<?mso-contentType ?>
-<FormTemplates xmlns="http://schemas.microsoft.com/sharepoint/v3/contenttype/forms">
-  <Display>DocumentLibraryForm</Display>
-  <Edit>DocumentLibraryForm</Edit>
-  <New>DocumentLibraryForm</New>
-</FormTemplates>
+<p:properties xmlns:p="http://schemas.microsoft.com/office/2006/metadata/properties" xmlns:xsi="http://www.w3.org/2001/XMLSchema-instance" xmlns:pc="http://schemas.microsoft.com/office/infopath/2007/PartnerControls">
+  <documentManagement>
+    <_ip_UnifiedCompliancePolicyUIAction xmlns="http://schemas.microsoft.com/sharepoint/v3" xsi:nil="true"/>
+    <Image xmlns="71af3243-3dd4-4a8d-8c0d-dd76da1f02a5">
+      <Url xsi:nil="true"/>
+      <Description xsi:nil="true"/>
+    </Image>
+    <Status xmlns="71af3243-3dd4-4a8d-8c0d-dd76da1f02a5">Not started</Status>
+    <_ip_UnifiedCompliancePolicyProperties xmlns="http://schemas.microsoft.com/sharepoint/v3" xsi:nil="true"/>
+    <ImageTagsTaxHTField xmlns="71af3243-3dd4-4a8d-8c0d-dd76da1f02a5">
+      <Terms xmlns="http://schemas.microsoft.com/office/infopath/2007/PartnerControls"/>
+    </ImageTagsTaxHTField>
+    <TaxCatchAll xmlns="230e9df3-be65-4c73-a93b-d1236ebd677e"/>
+    <MediaServiceKeyPoints xmlns="71af3243-3dd4-4a8d-8c0d-dd76da1f02a5" xsi:nil="true"/>
+  </documentManagement>
+</p:properties>
 </file>
 
 <file path=customXml/itemProps1.xml><?xml version="1.0" encoding="utf-8"?>
-<ds:datastoreItem xmlns:ds="http://schemas.openxmlformats.org/officeDocument/2006/customXml" ds:itemID="{B5BA3906-9696-4247-AC0D-DD5C26B2A70A}">
+<ds:datastoreItem xmlns:ds="http://schemas.openxmlformats.org/officeDocument/2006/customXml" ds:itemID="{2D446390-8521-40A2-A462-EA068123BED9}">
   <ds:schemaRefs>
-    <ds:schemaRef ds:uri="http://schemas.microsoft.com/office/2006/metadata/properties"/>
-    <ds:schemaRef ds:uri="http://schemas.microsoft.com/office/infopath/2007/PartnerControls"/>
-    <ds:schemaRef ds:uri="http://schemas.microsoft.com/sharepoint/v3"/>
-    <ds:schemaRef ds:uri="71af3243-3dd4-4a8d-8c0d-dd76da1f02a5"/>
-    <ds:schemaRef ds:uri="230e9df3-be65-4c73-a93b-d1236ebd677e"/>
+    <ds:schemaRef ds:uri="http://schemas.microsoft.com/sharepoint/v3/contenttype/forms"/>
   </ds:schemaRefs>
 </ds:datastoreItem>
 </file>
@@ -13039,9 +13035,13 @@
 </file>
 
 <file path=customXml/itemProps3.xml><?xml version="1.0" encoding="utf-8"?>
-<ds:datastoreItem xmlns:ds="http://schemas.openxmlformats.org/officeDocument/2006/customXml" ds:itemID="{2D446390-8521-40A2-A462-EA068123BED9}">
+<ds:datastoreItem xmlns:ds="http://schemas.openxmlformats.org/officeDocument/2006/customXml" ds:itemID="{B5BA3906-9696-4247-AC0D-DD5C26B2A70A}">
   <ds:schemaRefs>
-    <ds:schemaRef ds:uri="http://schemas.microsoft.com/sharepoint/v3/contenttype/forms"/>
+    <ds:schemaRef ds:uri="http://schemas.microsoft.com/office/2006/metadata/properties"/>
+    <ds:schemaRef ds:uri="http://schemas.microsoft.com/office/infopath/2007/PartnerControls"/>
+    <ds:schemaRef ds:uri="http://schemas.microsoft.com/sharepoint/v3"/>
+    <ds:schemaRef ds:uri="71af3243-3dd4-4a8d-8c0d-dd76da1f02a5"/>
+    <ds:schemaRef ds:uri="230e9df3-be65-4c73-a93b-d1236ebd677e"/>
   </ds:schemaRefs>
 </ds:datastoreItem>
 </file>
